--- a/presentations/SimCenter Bootcamp Python.pptx
+++ b/presentations/SimCenter Bootcamp Python.pptx
@@ -24,19 +24,24 @@
     <p:sldId id="264" r:id="rId18"/>
     <p:sldId id="285" r:id="rId19"/>
     <p:sldId id="286" r:id="rId20"/>
-    <p:sldId id="265" r:id="rId21"/>
-    <p:sldId id="266" r:id="rId22"/>
-    <p:sldId id="267" r:id="rId23"/>
-    <p:sldId id="268" r:id="rId24"/>
-    <p:sldId id="269" r:id="rId25"/>
-    <p:sldId id="270" r:id="rId26"/>
-    <p:sldId id="271" r:id="rId27"/>
-    <p:sldId id="272" r:id="rId28"/>
-    <p:sldId id="273" r:id="rId29"/>
-    <p:sldId id="274" r:id="rId30"/>
-    <p:sldId id="275" r:id="rId31"/>
-    <p:sldId id="276" r:id="rId32"/>
-    <p:sldId id="257" r:id="rId33"/>
+    <p:sldId id="288" r:id="rId21"/>
+    <p:sldId id="289" r:id="rId22"/>
+    <p:sldId id="266" r:id="rId23"/>
+    <p:sldId id="267" r:id="rId24"/>
+    <p:sldId id="290" r:id="rId25"/>
+    <p:sldId id="268" r:id="rId26"/>
+    <p:sldId id="269" r:id="rId27"/>
+    <p:sldId id="270" r:id="rId28"/>
+    <p:sldId id="291" r:id="rId29"/>
+    <p:sldId id="292" r:id="rId30"/>
+    <p:sldId id="293" r:id="rId31"/>
+    <p:sldId id="271" r:id="rId32"/>
+    <p:sldId id="272" r:id="rId33"/>
+    <p:sldId id="273" r:id="rId34"/>
+    <p:sldId id="274" r:id="rId35"/>
+    <p:sldId id="275" r:id="rId36"/>
+    <p:sldId id="276" r:id="rId37"/>
+    <p:sldId id="257" r:id="rId38"/>
   </p:sldIdLst>
   <p:sldSz cx="12192000" cy="6858000"/>
   <p:notesSz cx="6858000" cy="9144000"/>
@@ -839,7 +844,7 @@
           <a:p>
             <a:fld id="{B84125C9-AED3-0F47-B44C-0465FAA4AF51}" type="datetimeFigureOut">
               <a:rPr lang="en-US" smtClean="0"/>
-              <a:t>8/10/20</a:t>
+              <a:t>8/17/20</a:t>
             </a:fld>
             <a:endParaRPr lang="en-US"/>
           </a:p>
@@ -1037,7 +1042,7 @@
           <a:p>
             <a:fld id="{B84125C9-AED3-0F47-B44C-0465FAA4AF51}" type="datetimeFigureOut">
               <a:rPr lang="en-US" smtClean="0"/>
-              <a:t>8/10/20</a:t>
+              <a:t>8/17/20</a:t>
             </a:fld>
             <a:endParaRPr lang="en-US"/>
           </a:p>
@@ -1245,7 +1250,7 @@
           <a:p>
             <a:fld id="{B84125C9-AED3-0F47-B44C-0465FAA4AF51}" type="datetimeFigureOut">
               <a:rPr lang="en-US" smtClean="0"/>
-              <a:t>8/10/20</a:t>
+              <a:t>8/17/20</a:t>
             </a:fld>
             <a:endParaRPr lang="en-US"/>
           </a:p>
@@ -1465,7 +1470,7 @@
           <a:p>
             <a:fld id="{B84125C9-AED3-0F47-B44C-0465FAA4AF51}" type="datetimeFigureOut">
               <a:rPr lang="en-US" smtClean="0"/>
-              <a:t>8/10/20</a:t>
+              <a:t>8/17/20</a:t>
             </a:fld>
             <a:endParaRPr lang="en-US"/>
           </a:p>
@@ -1663,7 +1668,7 @@
           <a:p>
             <a:fld id="{B84125C9-AED3-0F47-B44C-0465FAA4AF51}" type="datetimeFigureOut">
               <a:rPr lang="en-US" smtClean="0"/>
-              <a:t>8/10/20</a:t>
+              <a:t>8/17/20</a:t>
             </a:fld>
             <a:endParaRPr lang="en-US"/>
           </a:p>
@@ -1938,7 +1943,7 @@
           <a:p>
             <a:fld id="{B84125C9-AED3-0F47-B44C-0465FAA4AF51}" type="datetimeFigureOut">
               <a:rPr lang="en-US" smtClean="0"/>
-              <a:t>8/10/20</a:t>
+              <a:t>8/17/20</a:t>
             </a:fld>
             <a:endParaRPr lang="en-US"/>
           </a:p>
@@ -2203,7 +2208,7 @@
           <a:p>
             <a:fld id="{B84125C9-AED3-0F47-B44C-0465FAA4AF51}" type="datetimeFigureOut">
               <a:rPr lang="en-US" smtClean="0"/>
-              <a:t>8/10/20</a:t>
+              <a:t>8/17/20</a:t>
             </a:fld>
             <a:endParaRPr lang="en-US"/>
           </a:p>
@@ -2615,7 +2620,7 @@
           <a:p>
             <a:fld id="{B84125C9-AED3-0F47-B44C-0465FAA4AF51}" type="datetimeFigureOut">
               <a:rPr lang="en-US" smtClean="0"/>
-              <a:t>8/10/20</a:t>
+              <a:t>8/17/20</a:t>
             </a:fld>
             <a:endParaRPr lang="en-US"/>
           </a:p>
@@ -2756,7 +2761,7 @@
           <a:p>
             <a:fld id="{B84125C9-AED3-0F47-B44C-0465FAA4AF51}" type="datetimeFigureOut">
               <a:rPr lang="en-US" smtClean="0"/>
-              <a:t>8/10/20</a:t>
+              <a:t>8/17/20</a:t>
             </a:fld>
             <a:endParaRPr lang="en-US"/>
           </a:p>
@@ -2869,7 +2874,7 @@
           <a:p>
             <a:fld id="{B84125C9-AED3-0F47-B44C-0465FAA4AF51}" type="datetimeFigureOut">
               <a:rPr lang="en-US" smtClean="0"/>
-              <a:t>8/10/20</a:t>
+              <a:t>8/17/20</a:t>
             </a:fld>
             <a:endParaRPr lang="en-US"/>
           </a:p>
@@ -3180,7 +3185,7 @@
           <a:p>
             <a:fld id="{B84125C9-AED3-0F47-B44C-0465FAA4AF51}" type="datetimeFigureOut">
               <a:rPr lang="en-US" smtClean="0"/>
-              <a:t>8/10/20</a:t>
+              <a:t>8/17/20</a:t>
             </a:fld>
             <a:endParaRPr lang="en-US"/>
           </a:p>
@@ -3421,7 +3426,7 @@
           <a:p>
             <a:fld id="{B84125C9-AED3-0F47-B44C-0465FAA4AF51}" type="datetimeFigureOut">
               <a:rPr lang="en-US" smtClean="0"/>
-              <a:t>8/10/20</a:t>
+              <a:t>8/17/20</a:t>
             </a:fld>
             <a:endParaRPr lang="en-US"/>
           </a:p>
@@ -5324,7 +5329,10 @@
           <a:bodyPr/>
           <a:lstStyle/>
           <a:p>
-            <a:endParaRPr lang="en-US"/>
+            <a:r>
+              <a:rPr lang="en-US" dirty="0"/>
+              <a:t>Python – OOP 2: Inheritance</a:t>
+            </a:r>
           </a:p>
         </p:txBody>
       </p:sp>
@@ -5391,7 +5399,7 @@
     </p:spTree>
     <p:extLst>
       <p:ext uri="{BB962C8B-B14F-4D97-AF65-F5344CB8AC3E}">
-        <p14:creationId xmlns:p14="http://schemas.microsoft.com/office/powerpoint/2010/main" val="1161820629"/>
+        <p14:creationId xmlns:p14="http://schemas.microsoft.com/office/powerpoint/2010/main" val="1464284939"/>
       </p:ext>
     </p:extLst>
   </p:cSld>
@@ -5439,7 +5447,10 @@
           <a:bodyPr/>
           <a:lstStyle/>
           <a:p>
-            <a:endParaRPr lang="en-US"/>
+            <a:r>
+              <a:rPr lang="en-US" dirty="0"/>
+              <a:t>Python – OOP 3: Operator Overloading</a:t>
+            </a:r>
           </a:p>
         </p:txBody>
       </p:sp>
@@ -5506,7 +5517,7 @@
     </p:spTree>
     <p:extLst>
       <p:ext uri="{BB962C8B-B14F-4D97-AF65-F5344CB8AC3E}">
-        <p14:creationId xmlns:p14="http://schemas.microsoft.com/office/powerpoint/2010/main" val="1563871757"/>
+        <p14:creationId xmlns:p14="http://schemas.microsoft.com/office/powerpoint/2010/main" val="81184429"/>
       </p:ext>
     </p:extLst>
   </p:cSld>
@@ -5554,7 +5565,10 @@
           <a:bodyPr/>
           <a:lstStyle/>
           <a:p>
-            <a:endParaRPr lang="en-US"/>
+            <a:r>
+              <a:rPr lang="en-US" dirty="0"/>
+              <a:t>Python - Modules</a:t>
+            </a:r>
           </a:p>
         </p:txBody>
       </p:sp>
@@ -5621,7 +5635,7 @@
     </p:spTree>
     <p:extLst>
       <p:ext uri="{BB962C8B-B14F-4D97-AF65-F5344CB8AC3E}">
-        <p14:creationId xmlns:p14="http://schemas.microsoft.com/office/powerpoint/2010/main" val="2896279256"/>
+        <p14:creationId xmlns:p14="http://schemas.microsoft.com/office/powerpoint/2010/main" val="1563871757"/>
       </p:ext>
     </p:extLst>
   </p:cSld>
@@ -5669,7 +5683,18 @@
           <a:bodyPr/>
           <a:lstStyle/>
           <a:p>
-            <a:endParaRPr lang="en-US"/>
+            <a:r>
+              <a:rPr lang="en-US" dirty="0"/>
+              <a:t>Web </a:t>
+            </a:r>
+            <a:r>
+              <a:rPr lang="en-US" dirty="0" err="1"/>
+              <a:t>Scrabbing</a:t>
+            </a:r>
+            <a:r>
+              <a:rPr lang="en-US" dirty="0"/>
+              <a:t> </a:t>
+            </a:r>
           </a:p>
         </p:txBody>
       </p:sp>
@@ -5692,13 +5717,21 @@
         <p:spPr/>
         <p:txBody>
           <a:bodyPr>
-            <a:normAutofit lnSpcReduction="10000"/>
+            <a:normAutofit fontScale="92500"/>
           </a:bodyPr>
           <a:lstStyle/>
           <a:p>
             <a:r>
               <a:rPr lang="en-US" dirty="0"/>
-              <a:t>Peter Mackenzie-Helnwein</a:t>
+              <a:t>Wael </a:t>
+            </a:r>
+            <a:r>
+              <a:rPr lang="en-US" dirty="0" err="1"/>
+              <a:t>Elhaddad</a:t>
+            </a:r>
+            <a:r>
+              <a:rPr lang="en-US" dirty="0"/>
+              <a:t>, University of California at Berkeley</a:t>
             </a:r>
           </a:p>
         </p:txBody>
@@ -5722,13 +5755,13 @@
         <p:spPr/>
         <p:txBody>
           <a:bodyPr>
-            <a:normAutofit fontScale="92500" lnSpcReduction="20000"/>
+            <a:normAutofit fontScale="85000" lnSpcReduction="10000"/>
           </a:bodyPr>
           <a:lstStyle/>
           <a:p>
             <a:r>
               <a:rPr lang="en-US" dirty="0"/>
-              <a:t>University of Washington</a:t>
+              <a:t>Peter Mackenzie-Helnwein, University of Washington</a:t>
             </a:r>
           </a:p>
         </p:txBody>
@@ -5736,7 +5769,7 @@
     </p:spTree>
     <p:extLst>
       <p:ext uri="{BB962C8B-B14F-4D97-AF65-F5344CB8AC3E}">
-        <p14:creationId xmlns:p14="http://schemas.microsoft.com/office/powerpoint/2010/main" val="3222979132"/>
+        <p14:creationId xmlns:p14="http://schemas.microsoft.com/office/powerpoint/2010/main" val="2896279256"/>
       </p:ext>
     </p:extLst>
   </p:cSld>
@@ -5784,7 +5817,51 @@
           <a:bodyPr/>
           <a:lstStyle/>
           <a:p>
-            <a:endParaRPr lang="en-US"/>
+            <a:r>
+              <a:rPr lang="en-US" dirty="0"/>
+              <a:t>Web </a:t>
+            </a:r>
+            <a:r>
+              <a:rPr lang="en-US" dirty="0" err="1"/>
+              <a:t>Scrabbing</a:t>
+            </a:r>
+            <a:endParaRPr lang="en-US" dirty="0"/>
+          </a:p>
+          <a:p>
+            <a:r>
+              <a:rPr lang="en-US" dirty="0">
+                <a:solidFill>
+                  <a:srgbClr val="FF0000"/>
+                </a:solidFill>
+              </a:rPr>
+              <a:t>WATCH</a:t>
+            </a:r>
+            <a:r>
+              <a:rPr lang="en-US" dirty="0"/>
+              <a:t> </a:t>
+            </a:r>
+            <a:r>
+              <a:rPr lang="en-US" dirty="0">
+                <a:hlinkClick r:id="rId2"/>
+              </a:rPr>
+              <a:t>https://youtu.be/VH-slcnmTJc</a:t>
+            </a:r>
+            <a:r>
+              <a:rPr lang="en-US" dirty="0"/>
+              <a:t> </a:t>
+            </a:r>
+            <a:r>
+              <a:rPr lang="en-US" dirty="0">
+                <a:solidFill>
+                  <a:srgbClr val="FF0000"/>
+                </a:solidFill>
+              </a:rPr>
+              <a:t>FOR 30 MINUTES</a:t>
+            </a:r>
+            <a:r>
+              <a:rPr lang="en-US" dirty="0"/>
+              <a:t> </a:t>
+            </a:r>
           </a:p>
         </p:txBody>
       </p:sp>
@@ -5807,13 +5884,21 @@
         <p:spPr/>
         <p:txBody>
           <a:bodyPr>
-            <a:normAutofit lnSpcReduction="10000"/>
+            <a:normAutofit fontScale="92500"/>
           </a:bodyPr>
           <a:lstStyle/>
           <a:p>
             <a:r>
-              <a:rPr lang="en-US" dirty="0"/>
-              <a:t>Peter Mackenzie-Helnwein</a:t>
+              <a:rPr lang="en-US" b="1" dirty="0"/>
+              <a:t>Wael </a:t>
+            </a:r>
+            <a:r>
+              <a:rPr lang="en-US" b="1" dirty="0" err="1"/>
+              <a:t>Elhaddad</a:t>
+            </a:r>
+            <a:r>
+              <a:rPr lang="en-US" dirty="0"/>
+              <a:t>, University of California at Berkeley</a:t>
             </a:r>
           </a:p>
         </p:txBody>
@@ -5841,17 +5926,14 @@
           </a:bodyPr>
           <a:lstStyle/>
           <a:p>
-            <a:r>
-              <a:rPr lang="en-US" dirty="0"/>
-              <a:t>University of Washington</a:t>
-            </a:r>
+            <a:endParaRPr lang="en-US" dirty="0"/>
           </a:p>
         </p:txBody>
       </p:sp>
     </p:spTree>
     <p:extLst>
       <p:ext uri="{BB962C8B-B14F-4D97-AF65-F5344CB8AC3E}">
-        <p14:creationId xmlns:p14="http://schemas.microsoft.com/office/powerpoint/2010/main" val="3822555114"/>
+        <p14:creationId xmlns:p14="http://schemas.microsoft.com/office/powerpoint/2010/main" val="2451253306"/>
       </p:ext>
     </p:extLst>
   </p:cSld>
@@ -5966,7 +6048,7 @@
     </p:spTree>
     <p:extLst>
       <p:ext uri="{BB962C8B-B14F-4D97-AF65-F5344CB8AC3E}">
-        <p14:creationId xmlns:p14="http://schemas.microsoft.com/office/powerpoint/2010/main" val="2912459459"/>
+        <p14:creationId xmlns:p14="http://schemas.microsoft.com/office/powerpoint/2010/main" val="3222979132"/>
       </p:ext>
     </p:extLst>
   </p:cSld>
@@ -6081,7 +6163,7 @@
     </p:spTree>
     <p:extLst>
       <p:ext uri="{BB962C8B-B14F-4D97-AF65-F5344CB8AC3E}">
-        <p14:creationId xmlns:p14="http://schemas.microsoft.com/office/powerpoint/2010/main" val="3458516751"/>
+        <p14:creationId xmlns:p14="http://schemas.microsoft.com/office/powerpoint/2010/main" val="3822555114"/>
       </p:ext>
     </p:extLst>
   </p:cSld>
@@ -6129,7 +6211,10 @@
           <a:bodyPr/>
           <a:lstStyle/>
           <a:p>
-            <a:endParaRPr lang="en-US"/>
+            <a:r>
+              <a:rPr lang="en-US" dirty="0"/>
+              <a:t>Introduction to Programming in C</a:t>
+            </a:r>
           </a:p>
         </p:txBody>
       </p:sp>
@@ -6158,7 +6243,7 @@
           <a:p>
             <a:r>
               <a:rPr lang="en-US" dirty="0"/>
-              <a:t>Peter Mackenzie-Helnwein</a:t>
+              <a:t>Frank McKenna</a:t>
             </a:r>
           </a:p>
         </p:txBody>
@@ -6188,7 +6273,7 @@
           <a:p>
             <a:r>
               <a:rPr lang="en-US" dirty="0"/>
-              <a:t>University of Washington</a:t>
+              <a:t>University of California at Berkeley</a:t>
             </a:r>
           </a:p>
         </p:txBody>
@@ -6196,7 +6281,7 @@
     </p:spTree>
     <p:extLst>
       <p:ext uri="{BB962C8B-B14F-4D97-AF65-F5344CB8AC3E}">
-        <p14:creationId xmlns:p14="http://schemas.microsoft.com/office/powerpoint/2010/main" val="3927800354"/>
+        <p14:creationId xmlns:p14="http://schemas.microsoft.com/office/powerpoint/2010/main" val="2912459459"/>
       </p:ext>
     </p:extLst>
   </p:cSld>
@@ -6244,7 +6329,15 @@
           <a:bodyPr/>
           <a:lstStyle/>
           <a:p>
-            <a:endParaRPr lang="en-US"/>
+            <a:r>
+              <a:rPr lang="en-US" dirty="0"/>
+              <a:t>Programming in C </a:t>
+            </a:r>
+            <a:r>
+              <a:rPr lang="en-US"/>
+              <a:t>- Pointers</a:t>
+            </a:r>
+            <a:endParaRPr lang="en-US" dirty="0"/>
           </a:p>
         </p:txBody>
       </p:sp>
@@ -6273,7 +6366,7 @@
           <a:p>
             <a:r>
               <a:rPr lang="en-US" dirty="0"/>
-              <a:t>Peter Mackenzie-Helnwein</a:t>
+              <a:t>Frank McKenna</a:t>
             </a:r>
           </a:p>
         </p:txBody>
@@ -6303,7 +6396,7 @@
           <a:p>
             <a:r>
               <a:rPr lang="en-US" dirty="0"/>
-              <a:t>University of Washington</a:t>
+              <a:t>University of California at Berkeley</a:t>
             </a:r>
           </a:p>
         </p:txBody>
@@ -6311,7 +6404,7 @@
     </p:spTree>
     <p:extLst>
       <p:ext uri="{BB962C8B-B14F-4D97-AF65-F5344CB8AC3E}">
-        <p14:creationId xmlns:p14="http://schemas.microsoft.com/office/powerpoint/2010/main" val="3408692930"/>
+        <p14:creationId xmlns:p14="http://schemas.microsoft.com/office/powerpoint/2010/main" val="2727555736"/>
       </p:ext>
     </p:extLst>
   </p:cSld>
@@ -6359,7 +6452,10 @@
           <a:bodyPr/>
           <a:lstStyle/>
           <a:p>
-            <a:endParaRPr lang="en-US"/>
+            <a:r>
+              <a:rPr lang="en-US" dirty="0"/>
+              <a:t>Parallel Programming using MPI in C</a:t>
+            </a:r>
           </a:p>
         </p:txBody>
       </p:sp>
@@ -6388,7 +6484,7 @@
           <a:p>
             <a:r>
               <a:rPr lang="en-US" dirty="0"/>
-              <a:t>Peter Mackenzie-Helnwein</a:t>
+              <a:t>Frank McKenna</a:t>
             </a:r>
           </a:p>
         </p:txBody>
@@ -6418,7 +6514,7 @@
           <a:p>
             <a:r>
               <a:rPr lang="en-US" dirty="0"/>
-              <a:t>University of Washington</a:t>
+              <a:t>University of California at Berkeley</a:t>
             </a:r>
           </a:p>
         </p:txBody>
@@ -6426,7 +6522,7 @@
     </p:spTree>
     <p:extLst>
       <p:ext uri="{BB962C8B-B14F-4D97-AF65-F5344CB8AC3E}">
-        <p14:creationId xmlns:p14="http://schemas.microsoft.com/office/powerpoint/2010/main" val="891150914"/>
+        <p14:creationId xmlns:p14="http://schemas.microsoft.com/office/powerpoint/2010/main" val="4201734205"/>
       </p:ext>
     </p:extLst>
   </p:cSld>
@@ -6592,7 +6688,18 @@
           <a:bodyPr/>
           <a:lstStyle/>
           <a:p>
-            <a:endParaRPr lang="en-US"/>
+            <a:r>
+              <a:rPr lang="en-US" dirty="0"/>
+              <a:t>Parallel Programming using </a:t>
+            </a:r>
+            <a:r>
+              <a:rPr lang="en-US" dirty="0" err="1"/>
+              <a:t>openMP</a:t>
+            </a:r>
+            <a:r>
+              <a:rPr lang="en-US" dirty="0"/>
+              <a:t> in C</a:t>
+            </a:r>
           </a:p>
         </p:txBody>
       </p:sp>
@@ -6621,7 +6728,7 @@
           <a:p>
             <a:r>
               <a:rPr lang="en-US" dirty="0"/>
-              <a:t>Peter Mackenzie-Helnwein</a:t>
+              <a:t>Frank McKenna</a:t>
             </a:r>
           </a:p>
         </p:txBody>
@@ -6651,7 +6758,7 @@
           <a:p>
             <a:r>
               <a:rPr lang="en-US" dirty="0"/>
-              <a:t>University of Washington</a:t>
+              <a:t>University of California at Berkeley</a:t>
             </a:r>
           </a:p>
         </p:txBody>
@@ -6659,7 +6766,7 @@
     </p:spTree>
     <p:extLst>
       <p:ext uri="{BB962C8B-B14F-4D97-AF65-F5344CB8AC3E}">
-        <p14:creationId xmlns:p14="http://schemas.microsoft.com/office/powerpoint/2010/main" val="1230198216"/>
+        <p14:creationId xmlns:p14="http://schemas.microsoft.com/office/powerpoint/2010/main" val="2593357856"/>
       </p:ext>
     </p:extLst>
   </p:cSld>
@@ -6774,6 +6881,581 @@
     </p:spTree>
     <p:extLst>
       <p:ext uri="{BB962C8B-B14F-4D97-AF65-F5344CB8AC3E}">
+        <p14:creationId xmlns:p14="http://schemas.microsoft.com/office/powerpoint/2010/main" val="3458516751"/>
+      </p:ext>
+    </p:extLst>
+  </p:cSld>
+  <p:clrMapOvr>
+    <a:masterClrMapping/>
+  </p:clrMapOvr>
+</p:sld>
+</file>
+
+<file path=ppt/slides/slide32.xml><?xml version="1.0" encoding="utf-8"?>
+<p:sld xmlns:a="http://schemas.openxmlformats.org/drawingml/2006/main" xmlns:r="http://schemas.openxmlformats.org/officeDocument/2006/relationships" xmlns:p="http://schemas.openxmlformats.org/presentationml/2006/main">
+  <p:cSld>
+    <p:spTree>
+      <p:nvGrpSpPr>
+        <p:cNvPr id="1" name=""/>
+        <p:cNvGrpSpPr/>
+        <p:nvPr/>
+      </p:nvGrpSpPr>
+      <p:grpSpPr>
+        <a:xfrm>
+          <a:off x="0" y="0"/>
+          <a:ext cx="0" cy="0"/>
+          <a:chOff x="0" y="0"/>
+          <a:chExt cx="0" cy="0"/>
+        </a:xfrm>
+      </p:grpSpPr>
+      <p:sp>
+        <p:nvSpPr>
+          <p:cNvPr id="7" name="Subtitle 6">
+            <a:extLst>
+              <a:ext uri="{FF2B5EF4-FFF2-40B4-BE49-F238E27FC236}">
+                <a16:creationId xmlns:a16="http://schemas.microsoft.com/office/drawing/2014/main" id="{B21F99FE-2B30-814C-BB06-2595F16BD124}"/>
+              </a:ext>
+            </a:extLst>
+          </p:cNvPr>
+          <p:cNvSpPr>
+            <a:spLocks noGrp="1"/>
+          </p:cNvSpPr>
+          <p:nvPr>
+            <p:ph type="subTitle" idx="1"/>
+          </p:nvPr>
+        </p:nvSpPr>
+        <p:spPr/>
+        <p:txBody>
+          <a:bodyPr/>
+          <a:lstStyle/>
+          <a:p>
+            <a:endParaRPr lang="en-US"/>
+          </a:p>
+        </p:txBody>
+      </p:sp>
+      <p:sp>
+        <p:nvSpPr>
+          <p:cNvPr id="5" name="Text Placeholder 4">
+            <a:extLst>
+              <a:ext uri="{FF2B5EF4-FFF2-40B4-BE49-F238E27FC236}">
+                <a16:creationId xmlns:a16="http://schemas.microsoft.com/office/drawing/2014/main" id="{F828C3F3-D358-8D4F-BAC9-9043145A88D1}"/>
+              </a:ext>
+            </a:extLst>
+          </p:cNvPr>
+          <p:cNvSpPr>
+            <a:spLocks noGrp="1"/>
+          </p:cNvSpPr>
+          <p:nvPr>
+            <p:ph type="body" sz="quarter" idx="11"/>
+          </p:nvPr>
+        </p:nvSpPr>
+        <p:spPr/>
+        <p:txBody>
+          <a:bodyPr>
+            <a:normAutofit lnSpcReduction="10000"/>
+          </a:bodyPr>
+          <a:lstStyle/>
+          <a:p>
+            <a:r>
+              <a:rPr lang="en-US" dirty="0"/>
+              <a:t>Peter Mackenzie-Helnwein</a:t>
+            </a:r>
+          </a:p>
+        </p:txBody>
+      </p:sp>
+      <p:sp>
+        <p:nvSpPr>
+          <p:cNvPr id="6" name="Text Placeholder 5">
+            <a:extLst>
+              <a:ext uri="{FF2B5EF4-FFF2-40B4-BE49-F238E27FC236}">
+                <a16:creationId xmlns:a16="http://schemas.microsoft.com/office/drawing/2014/main" id="{860E1C64-9002-3948-A97E-48870344E6E7}"/>
+              </a:ext>
+            </a:extLst>
+          </p:cNvPr>
+          <p:cNvSpPr>
+            <a:spLocks noGrp="1"/>
+          </p:cNvSpPr>
+          <p:nvPr>
+            <p:ph type="body" sz="quarter" idx="12"/>
+          </p:nvPr>
+        </p:nvSpPr>
+        <p:spPr/>
+        <p:txBody>
+          <a:bodyPr>
+            <a:normAutofit fontScale="92500" lnSpcReduction="20000"/>
+          </a:bodyPr>
+          <a:lstStyle/>
+          <a:p>
+            <a:r>
+              <a:rPr lang="en-US" dirty="0"/>
+              <a:t>University of Washington</a:t>
+            </a:r>
+          </a:p>
+        </p:txBody>
+      </p:sp>
+    </p:spTree>
+    <p:extLst>
+      <p:ext uri="{BB962C8B-B14F-4D97-AF65-F5344CB8AC3E}">
+        <p14:creationId xmlns:p14="http://schemas.microsoft.com/office/powerpoint/2010/main" val="3927800354"/>
+      </p:ext>
+    </p:extLst>
+  </p:cSld>
+  <p:clrMapOvr>
+    <a:masterClrMapping/>
+  </p:clrMapOvr>
+</p:sld>
+</file>
+
+<file path=ppt/slides/slide33.xml><?xml version="1.0" encoding="utf-8"?>
+<p:sld xmlns:a="http://schemas.openxmlformats.org/drawingml/2006/main" xmlns:r="http://schemas.openxmlformats.org/officeDocument/2006/relationships" xmlns:p="http://schemas.openxmlformats.org/presentationml/2006/main">
+  <p:cSld>
+    <p:spTree>
+      <p:nvGrpSpPr>
+        <p:cNvPr id="1" name=""/>
+        <p:cNvGrpSpPr/>
+        <p:nvPr/>
+      </p:nvGrpSpPr>
+      <p:grpSpPr>
+        <a:xfrm>
+          <a:off x="0" y="0"/>
+          <a:ext cx="0" cy="0"/>
+          <a:chOff x="0" y="0"/>
+          <a:chExt cx="0" cy="0"/>
+        </a:xfrm>
+      </p:grpSpPr>
+      <p:sp>
+        <p:nvSpPr>
+          <p:cNvPr id="7" name="Subtitle 6">
+            <a:extLst>
+              <a:ext uri="{FF2B5EF4-FFF2-40B4-BE49-F238E27FC236}">
+                <a16:creationId xmlns:a16="http://schemas.microsoft.com/office/drawing/2014/main" id="{B21F99FE-2B30-814C-BB06-2595F16BD124}"/>
+              </a:ext>
+            </a:extLst>
+          </p:cNvPr>
+          <p:cNvSpPr>
+            <a:spLocks noGrp="1"/>
+          </p:cNvSpPr>
+          <p:nvPr>
+            <p:ph type="subTitle" idx="1"/>
+          </p:nvPr>
+        </p:nvSpPr>
+        <p:spPr/>
+        <p:txBody>
+          <a:bodyPr/>
+          <a:lstStyle/>
+          <a:p>
+            <a:endParaRPr lang="en-US"/>
+          </a:p>
+        </p:txBody>
+      </p:sp>
+      <p:sp>
+        <p:nvSpPr>
+          <p:cNvPr id="5" name="Text Placeholder 4">
+            <a:extLst>
+              <a:ext uri="{FF2B5EF4-FFF2-40B4-BE49-F238E27FC236}">
+                <a16:creationId xmlns:a16="http://schemas.microsoft.com/office/drawing/2014/main" id="{F828C3F3-D358-8D4F-BAC9-9043145A88D1}"/>
+              </a:ext>
+            </a:extLst>
+          </p:cNvPr>
+          <p:cNvSpPr>
+            <a:spLocks noGrp="1"/>
+          </p:cNvSpPr>
+          <p:nvPr>
+            <p:ph type="body" sz="quarter" idx="11"/>
+          </p:nvPr>
+        </p:nvSpPr>
+        <p:spPr/>
+        <p:txBody>
+          <a:bodyPr>
+            <a:normAutofit lnSpcReduction="10000"/>
+          </a:bodyPr>
+          <a:lstStyle/>
+          <a:p>
+            <a:r>
+              <a:rPr lang="en-US" dirty="0"/>
+              <a:t>Peter Mackenzie-Helnwein</a:t>
+            </a:r>
+          </a:p>
+        </p:txBody>
+      </p:sp>
+      <p:sp>
+        <p:nvSpPr>
+          <p:cNvPr id="6" name="Text Placeholder 5">
+            <a:extLst>
+              <a:ext uri="{FF2B5EF4-FFF2-40B4-BE49-F238E27FC236}">
+                <a16:creationId xmlns:a16="http://schemas.microsoft.com/office/drawing/2014/main" id="{860E1C64-9002-3948-A97E-48870344E6E7}"/>
+              </a:ext>
+            </a:extLst>
+          </p:cNvPr>
+          <p:cNvSpPr>
+            <a:spLocks noGrp="1"/>
+          </p:cNvSpPr>
+          <p:nvPr>
+            <p:ph type="body" sz="quarter" idx="12"/>
+          </p:nvPr>
+        </p:nvSpPr>
+        <p:spPr/>
+        <p:txBody>
+          <a:bodyPr>
+            <a:normAutofit fontScale="92500" lnSpcReduction="20000"/>
+          </a:bodyPr>
+          <a:lstStyle/>
+          <a:p>
+            <a:r>
+              <a:rPr lang="en-US" dirty="0"/>
+              <a:t>University of Washington</a:t>
+            </a:r>
+          </a:p>
+        </p:txBody>
+      </p:sp>
+    </p:spTree>
+    <p:extLst>
+      <p:ext uri="{BB962C8B-B14F-4D97-AF65-F5344CB8AC3E}">
+        <p14:creationId xmlns:p14="http://schemas.microsoft.com/office/powerpoint/2010/main" val="3408692930"/>
+      </p:ext>
+    </p:extLst>
+  </p:cSld>
+  <p:clrMapOvr>
+    <a:masterClrMapping/>
+  </p:clrMapOvr>
+</p:sld>
+</file>
+
+<file path=ppt/slides/slide34.xml><?xml version="1.0" encoding="utf-8"?>
+<p:sld xmlns:a="http://schemas.openxmlformats.org/drawingml/2006/main" xmlns:r="http://schemas.openxmlformats.org/officeDocument/2006/relationships" xmlns:p="http://schemas.openxmlformats.org/presentationml/2006/main">
+  <p:cSld>
+    <p:spTree>
+      <p:nvGrpSpPr>
+        <p:cNvPr id="1" name=""/>
+        <p:cNvGrpSpPr/>
+        <p:nvPr/>
+      </p:nvGrpSpPr>
+      <p:grpSpPr>
+        <a:xfrm>
+          <a:off x="0" y="0"/>
+          <a:ext cx="0" cy="0"/>
+          <a:chOff x="0" y="0"/>
+          <a:chExt cx="0" cy="0"/>
+        </a:xfrm>
+      </p:grpSpPr>
+      <p:sp>
+        <p:nvSpPr>
+          <p:cNvPr id="7" name="Subtitle 6">
+            <a:extLst>
+              <a:ext uri="{FF2B5EF4-FFF2-40B4-BE49-F238E27FC236}">
+                <a16:creationId xmlns:a16="http://schemas.microsoft.com/office/drawing/2014/main" id="{B21F99FE-2B30-814C-BB06-2595F16BD124}"/>
+              </a:ext>
+            </a:extLst>
+          </p:cNvPr>
+          <p:cNvSpPr>
+            <a:spLocks noGrp="1"/>
+          </p:cNvSpPr>
+          <p:nvPr>
+            <p:ph type="subTitle" idx="1"/>
+          </p:nvPr>
+        </p:nvSpPr>
+        <p:spPr/>
+        <p:txBody>
+          <a:bodyPr/>
+          <a:lstStyle/>
+          <a:p>
+            <a:endParaRPr lang="en-US"/>
+          </a:p>
+        </p:txBody>
+      </p:sp>
+      <p:sp>
+        <p:nvSpPr>
+          <p:cNvPr id="5" name="Text Placeholder 4">
+            <a:extLst>
+              <a:ext uri="{FF2B5EF4-FFF2-40B4-BE49-F238E27FC236}">
+                <a16:creationId xmlns:a16="http://schemas.microsoft.com/office/drawing/2014/main" id="{F828C3F3-D358-8D4F-BAC9-9043145A88D1}"/>
+              </a:ext>
+            </a:extLst>
+          </p:cNvPr>
+          <p:cNvSpPr>
+            <a:spLocks noGrp="1"/>
+          </p:cNvSpPr>
+          <p:nvPr>
+            <p:ph type="body" sz="quarter" idx="11"/>
+          </p:nvPr>
+        </p:nvSpPr>
+        <p:spPr/>
+        <p:txBody>
+          <a:bodyPr>
+            <a:normAutofit lnSpcReduction="10000"/>
+          </a:bodyPr>
+          <a:lstStyle/>
+          <a:p>
+            <a:r>
+              <a:rPr lang="en-US" dirty="0"/>
+              <a:t>Peter Mackenzie-Helnwein</a:t>
+            </a:r>
+          </a:p>
+        </p:txBody>
+      </p:sp>
+      <p:sp>
+        <p:nvSpPr>
+          <p:cNvPr id="6" name="Text Placeholder 5">
+            <a:extLst>
+              <a:ext uri="{FF2B5EF4-FFF2-40B4-BE49-F238E27FC236}">
+                <a16:creationId xmlns:a16="http://schemas.microsoft.com/office/drawing/2014/main" id="{860E1C64-9002-3948-A97E-48870344E6E7}"/>
+              </a:ext>
+            </a:extLst>
+          </p:cNvPr>
+          <p:cNvSpPr>
+            <a:spLocks noGrp="1"/>
+          </p:cNvSpPr>
+          <p:nvPr>
+            <p:ph type="body" sz="quarter" idx="12"/>
+          </p:nvPr>
+        </p:nvSpPr>
+        <p:spPr/>
+        <p:txBody>
+          <a:bodyPr>
+            <a:normAutofit fontScale="92500" lnSpcReduction="20000"/>
+          </a:bodyPr>
+          <a:lstStyle/>
+          <a:p>
+            <a:r>
+              <a:rPr lang="en-US" dirty="0"/>
+              <a:t>University of Washington</a:t>
+            </a:r>
+          </a:p>
+        </p:txBody>
+      </p:sp>
+    </p:spTree>
+    <p:extLst>
+      <p:ext uri="{BB962C8B-B14F-4D97-AF65-F5344CB8AC3E}">
+        <p14:creationId xmlns:p14="http://schemas.microsoft.com/office/powerpoint/2010/main" val="891150914"/>
+      </p:ext>
+    </p:extLst>
+  </p:cSld>
+  <p:clrMapOvr>
+    <a:masterClrMapping/>
+  </p:clrMapOvr>
+</p:sld>
+</file>
+
+<file path=ppt/slides/slide35.xml><?xml version="1.0" encoding="utf-8"?>
+<p:sld xmlns:a="http://schemas.openxmlformats.org/drawingml/2006/main" xmlns:r="http://schemas.openxmlformats.org/officeDocument/2006/relationships" xmlns:p="http://schemas.openxmlformats.org/presentationml/2006/main">
+  <p:cSld>
+    <p:spTree>
+      <p:nvGrpSpPr>
+        <p:cNvPr id="1" name=""/>
+        <p:cNvGrpSpPr/>
+        <p:nvPr/>
+      </p:nvGrpSpPr>
+      <p:grpSpPr>
+        <a:xfrm>
+          <a:off x="0" y="0"/>
+          <a:ext cx="0" cy="0"/>
+          <a:chOff x="0" y="0"/>
+          <a:chExt cx="0" cy="0"/>
+        </a:xfrm>
+      </p:grpSpPr>
+      <p:sp>
+        <p:nvSpPr>
+          <p:cNvPr id="7" name="Subtitle 6">
+            <a:extLst>
+              <a:ext uri="{FF2B5EF4-FFF2-40B4-BE49-F238E27FC236}">
+                <a16:creationId xmlns:a16="http://schemas.microsoft.com/office/drawing/2014/main" id="{B21F99FE-2B30-814C-BB06-2595F16BD124}"/>
+              </a:ext>
+            </a:extLst>
+          </p:cNvPr>
+          <p:cNvSpPr>
+            <a:spLocks noGrp="1"/>
+          </p:cNvSpPr>
+          <p:nvPr>
+            <p:ph type="subTitle" idx="1"/>
+          </p:nvPr>
+        </p:nvSpPr>
+        <p:spPr/>
+        <p:txBody>
+          <a:bodyPr/>
+          <a:lstStyle/>
+          <a:p>
+            <a:endParaRPr lang="en-US"/>
+          </a:p>
+        </p:txBody>
+      </p:sp>
+      <p:sp>
+        <p:nvSpPr>
+          <p:cNvPr id="5" name="Text Placeholder 4">
+            <a:extLst>
+              <a:ext uri="{FF2B5EF4-FFF2-40B4-BE49-F238E27FC236}">
+                <a16:creationId xmlns:a16="http://schemas.microsoft.com/office/drawing/2014/main" id="{F828C3F3-D358-8D4F-BAC9-9043145A88D1}"/>
+              </a:ext>
+            </a:extLst>
+          </p:cNvPr>
+          <p:cNvSpPr>
+            <a:spLocks noGrp="1"/>
+          </p:cNvSpPr>
+          <p:nvPr>
+            <p:ph type="body" sz="quarter" idx="11"/>
+          </p:nvPr>
+        </p:nvSpPr>
+        <p:spPr/>
+        <p:txBody>
+          <a:bodyPr>
+            <a:normAutofit lnSpcReduction="10000"/>
+          </a:bodyPr>
+          <a:lstStyle/>
+          <a:p>
+            <a:r>
+              <a:rPr lang="en-US" dirty="0"/>
+              <a:t>Peter Mackenzie-Helnwein</a:t>
+            </a:r>
+          </a:p>
+        </p:txBody>
+      </p:sp>
+      <p:sp>
+        <p:nvSpPr>
+          <p:cNvPr id="6" name="Text Placeholder 5">
+            <a:extLst>
+              <a:ext uri="{FF2B5EF4-FFF2-40B4-BE49-F238E27FC236}">
+                <a16:creationId xmlns:a16="http://schemas.microsoft.com/office/drawing/2014/main" id="{860E1C64-9002-3948-A97E-48870344E6E7}"/>
+              </a:ext>
+            </a:extLst>
+          </p:cNvPr>
+          <p:cNvSpPr>
+            <a:spLocks noGrp="1"/>
+          </p:cNvSpPr>
+          <p:nvPr>
+            <p:ph type="body" sz="quarter" idx="12"/>
+          </p:nvPr>
+        </p:nvSpPr>
+        <p:spPr/>
+        <p:txBody>
+          <a:bodyPr>
+            <a:normAutofit fontScale="92500" lnSpcReduction="20000"/>
+          </a:bodyPr>
+          <a:lstStyle/>
+          <a:p>
+            <a:r>
+              <a:rPr lang="en-US" dirty="0"/>
+              <a:t>University of Washington</a:t>
+            </a:r>
+          </a:p>
+        </p:txBody>
+      </p:sp>
+    </p:spTree>
+    <p:extLst>
+      <p:ext uri="{BB962C8B-B14F-4D97-AF65-F5344CB8AC3E}">
+        <p14:creationId xmlns:p14="http://schemas.microsoft.com/office/powerpoint/2010/main" val="1230198216"/>
+      </p:ext>
+    </p:extLst>
+  </p:cSld>
+  <p:clrMapOvr>
+    <a:masterClrMapping/>
+  </p:clrMapOvr>
+</p:sld>
+</file>
+
+<file path=ppt/slides/slide36.xml><?xml version="1.0" encoding="utf-8"?>
+<p:sld xmlns:a="http://schemas.openxmlformats.org/drawingml/2006/main" xmlns:r="http://schemas.openxmlformats.org/officeDocument/2006/relationships" xmlns:p="http://schemas.openxmlformats.org/presentationml/2006/main">
+  <p:cSld>
+    <p:spTree>
+      <p:nvGrpSpPr>
+        <p:cNvPr id="1" name=""/>
+        <p:cNvGrpSpPr/>
+        <p:nvPr/>
+      </p:nvGrpSpPr>
+      <p:grpSpPr>
+        <a:xfrm>
+          <a:off x="0" y="0"/>
+          <a:ext cx="0" cy="0"/>
+          <a:chOff x="0" y="0"/>
+          <a:chExt cx="0" cy="0"/>
+        </a:xfrm>
+      </p:grpSpPr>
+      <p:sp>
+        <p:nvSpPr>
+          <p:cNvPr id="7" name="Subtitle 6">
+            <a:extLst>
+              <a:ext uri="{FF2B5EF4-FFF2-40B4-BE49-F238E27FC236}">
+                <a16:creationId xmlns:a16="http://schemas.microsoft.com/office/drawing/2014/main" id="{B21F99FE-2B30-814C-BB06-2595F16BD124}"/>
+              </a:ext>
+            </a:extLst>
+          </p:cNvPr>
+          <p:cNvSpPr>
+            <a:spLocks noGrp="1"/>
+          </p:cNvSpPr>
+          <p:nvPr>
+            <p:ph type="subTitle" idx="1"/>
+          </p:nvPr>
+        </p:nvSpPr>
+        <p:spPr/>
+        <p:txBody>
+          <a:bodyPr/>
+          <a:lstStyle/>
+          <a:p>
+            <a:endParaRPr lang="en-US"/>
+          </a:p>
+        </p:txBody>
+      </p:sp>
+      <p:sp>
+        <p:nvSpPr>
+          <p:cNvPr id="5" name="Text Placeholder 4">
+            <a:extLst>
+              <a:ext uri="{FF2B5EF4-FFF2-40B4-BE49-F238E27FC236}">
+                <a16:creationId xmlns:a16="http://schemas.microsoft.com/office/drawing/2014/main" id="{F828C3F3-D358-8D4F-BAC9-9043145A88D1}"/>
+              </a:ext>
+            </a:extLst>
+          </p:cNvPr>
+          <p:cNvSpPr>
+            <a:spLocks noGrp="1"/>
+          </p:cNvSpPr>
+          <p:nvPr>
+            <p:ph type="body" sz="quarter" idx="11"/>
+          </p:nvPr>
+        </p:nvSpPr>
+        <p:spPr/>
+        <p:txBody>
+          <a:bodyPr>
+            <a:normAutofit lnSpcReduction="10000"/>
+          </a:bodyPr>
+          <a:lstStyle/>
+          <a:p>
+            <a:r>
+              <a:rPr lang="en-US" dirty="0"/>
+              <a:t>Peter Mackenzie-Helnwein</a:t>
+            </a:r>
+          </a:p>
+        </p:txBody>
+      </p:sp>
+      <p:sp>
+        <p:nvSpPr>
+          <p:cNvPr id="6" name="Text Placeholder 5">
+            <a:extLst>
+              <a:ext uri="{FF2B5EF4-FFF2-40B4-BE49-F238E27FC236}">
+                <a16:creationId xmlns:a16="http://schemas.microsoft.com/office/drawing/2014/main" id="{860E1C64-9002-3948-A97E-48870344E6E7}"/>
+              </a:ext>
+            </a:extLst>
+          </p:cNvPr>
+          <p:cNvSpPr>
+            <a:spLocks noGrp="1"/>
+          </p:cNvSpPr>
+          <p:nvPr>
+            <p:ph type="body" sz="quarter" idx="12"/>
+          </p:nvPr>
+        </p:nvSpPr>
+        <p:spPr/>
+        <p:txBody>
+          <a:bodyPr>
+            <a:normAutofit fontScale="92500" lnSpcReduction="20000"/>
+          </a:bodyPr>
+          <a:lstStyle/>
+          <a:p>
+            <a:r>
+              <a:rPr lang="en-US" dirty="0"/>
+              <a:t>University of Washington</a:t>
+            </a:r>
+          </a:p>
+        </p:txBody>
+      </p:sp>
+    </p:spTree>
+    <p:extLst>
+      <p:ext uri="{BB962C8B-B14F-4D97-AF65-F5344CB8AC3E}">
         <p14:creationId xmlns:p14="http://schemas.microsoft.com/office/powerpoint/2010/main" val="4178150776"/>
       </p:ext>
     </p:extLst>
@@ -6784,7 +7466,7 @@
 </p:sld>
 </file>
 
-<file path=ppt/slides/slide32.xml><?xml version="1.0" encoding="utf-8"?>
+<file path=ppt/slides/slide37.xml><?xml version="1.0" encoding="utf-8"?>
 <p:sld xmlns:a="http://schemas.openxmlformats.org/drawingml/2006/main" xmlns:r="http://schemas.openxmlformats.org/officeDocument/2006/relationships" xmlns:p="http://schemas.openxmlformats.org/presentationml/2006/main">
   <p:cSld>
     <p:spTree>
